--- a/IDPA/Ow, my Knees!.pptx
+++ b/IDPA/Ow, my Knees!.pptx
@@ -336,7 +336,7 @@
               <a:pPr>
                 <a:defRPr/>
               </a:pPr>
-              <a:t>23.12.2018</a:t>
+              <a:t>01.01.2019</a:t>
             </a:fld>
             <a:endParaRPr lang="en-US"/>
           </a:p>
@@ -4312,7 +4312,7 @@
           <p:nvPr>
             <p:extLst>
               <p:ext uri="{D42A27DB-BD31-4B8C-83A1-F6EECF244321}">
-                <p14:modId xmlns:p14="http://schemas.microsoft.com/office/powerpoint/2010/main" val="27257077"/>
+                <p14:modId xmlns:p14="http://schemas.microsoft.com/office/powerpoint/2010/main" val="1170597788"/>
               </p:ext>
             </p:extLst>
           </p:nvPr>
@@ -5053,35 +5053,8 @@
                           <a:ea typeface="ＭＳ Ｐゴシック" pitchFamily="-112" charset="-128"/>
                           <a:cs typeface="Times New Roman" pitchFamily="-112" charset="0"/>
                         </a:rPr>
-                        <a:t>ROUND COUNT</a:t>
+                        <a:t>ROUND COUNT:      18</a:t>
                       </a:r>
-                      <a:r>
-                        <a:rPr kumimoji="0" lang="en-US" sz="1100" b="1" i="0" u="none" strike="noStrike" cap="none" normalizeH="0" baseline="0">
-                          <a:ln>
-                            <a:noFill/>
-                          </a:ln>
-                          <a:solidFill>
-                            <a:schemeClr val="tx1"/>
-                          </a:solidFill>
-                          <a:effectLst/>
-                          <a:latin typeface="Arial" charset="0"/>
-                          <a:ea typeface="ＭＳ Ｐゴシック" pitchFamily="-112" charset="-128"/>
-                          <a:cs typeface="Times New Roman" pitchFamily="-112" charset="0"/>
-                        </a:rPr>
-                        <a:t>:      18</a:t>
-                      </a:r>
-                      <a:endParaRPr kumimoji="0" lang="en-US" sz="1100" b="1" i="0" u="none" strike="noStrike" cap="none" normalizeH="0" baseline="0" dirty="0">
-                        <a:ln>
-                          <a:noFill/>
-                        </a:ln>
-                        <a:solidFill>
-                          <a:schemeClr val="tx1"/>
-                        </a:solidFill>
-                        <a:effectLst/>
-                        <a:latin typeface="Arial" charset="0"/>
-                        <a:ea typeface="ＭＳ Ｐゴシック" pitchFamily="-112" charset="-128"/>
-                        <a:cs typeface="Times New Roman" pitchFamily="-112" charset="0"/>
-                      </a:endParaRPr>
                     </a:p>
                     <a:p>
                       <a:pPr marL="0" marR="0" lvl="0" indent="0" algn="l" defTabSz="966788" rtl="0" eaLnBrk="0" fontAlgn="base" latinLnBrk="0" hangingPunct="0">
@@ -5275,8 +5248,35 @@
                           <a:ea typeface="ＭＳ Ｐゴシック" pitchFamily="-112" charset="-128"/>
                           <a:cs typeface="Times New Roman" pitchFamily="-112" charset="0"/>
                         </a:rPr>
-                        <a:t>SO NOTES:</a:t>
+                        <a:t>SO NOTES: People may opt to forgo the kneeling, but will receive a </a:t>
                       </a:r>
+                      <a:r>
+                        <a:rPr kumimoji="0" lang="en-US" sz="1100" b="1" i="0" u="none" strike="noStrike" cap="none" normalizeH="0" baseline="0">
+                          <a:ln>
+                            <a:noFill/>
+                          </a:ln>
+                          <a:solidFill>
+                            <a:schemeClr val="tx1"/>
+                          </a:solidFill>
+                          <a:effectLst/>
+                          <a:latin typeface="Arial" charset="0"/>
+                          <a:ea typeface="ＭＳ Ｐゴシック" pitchFamily="-112" charset="-128"/>
+                          <a:cs typeface="Times New Roman" pitchFamily="-112" charset="0"/>
+                        </a:rPr>
+                        <a:t>10s Flagrant Penalty.</a:t>
+                      </a:r>
+                      <a:endParaRPr kumimoji="0" lang="en-US" sz="1100" b="1" i="0" u="none" strike="noStrike" cap="none" normalizeH="0" baseline="0" dirty="0">
+                        <a:ln>
+                          <a:noFill/>
+                        </a:ln>
+                        <a:solidFill>
+                          <a:schemeClr val="tx1"/>
+                        </a:solidFill>
+                        <a:effectLst/>
+                        <a:latin typeface="Arial" charset="0"/>
+                        <a:ea typeface="ＭＳ Ｐゴシック" pitchFamily="-112" charset="-128"/>
+                        <a:cs typeface="Times New Roman" pitchFamily="-112" charset="0"/>
+                      </a:endParaRPr>
                     </a:p>
                   </a:txBody>
                   <a:tcPr marL="45720" marR="45720" marT="45715" marB="45715" horzOverflow="overflow">
